--- a/User Behavior Analysis.pptx
+++ b/User Behavior Analysis.pptx
@@ -187,7 +187,7 @@
           <a:p>
             <a:fld id="{355529D8-29D3-4EF8-AFE4-9B04C334D78A}" type="datetimeFigureOut">
               <a:rPr lang="en-US" smtClean="0"/>
-              <a:t>8/14/2025</a:t>
+              <a:t>8/20/2025</a:t>
             </a:fld>
             <a:endParaRPr lang="en-US" dirty="0"/>
           </a:p>
@@ -593,7 +593,7 @@
           <a:p>
             <a:fld id="{B9EF805B-254D-4FE1-8316-FEA92B4B8253}" type="datetimeFigureOut">
               <a:rPr lang="en-US" smtClean="0"/>
-              <a:t>8/14/2025</a:t>
+              <a:t>8/20/2025</a:t>
             </a:fld>
             <a:endParaRPr lang="en-US"/>
           </a:p>
@@ -1629,7 +1629,7 @@
             </a:r>
             <a:fld id="{FD138C57-8E3B-4697-92F8-0ED9B71F7E17}" type="datetime1">
               <a:rPr lang="en-US" smtClean="0"/>
-              <a:t>8/14/2025</a:t>
+              <a:t>8/20/2025</a:t>
             </a:fld>
             <a:endParaRPr lang="en-US"/>
           </a:p>
@@ -2396,7 +2396,7 @@
             </a:r>
             <a:fld id="{FD138C57-8E3B-4697-92F8-0ED9B71F7E17}" type="datetime1">
               <a:rPr lang="en-US" smtClean="0"/>
-              <a:t>8/14/2025</a:t>
+              <a:t>8/20/2025</a:t>
             </a:fld>
             <a:endParaRPr lang="en-US"/>
           </a:p>
@@ -2939,7 +2939,7 @@
             <a:fld id="{FD138C57-8E3B-4697-92F8-0ED9B71F7E17}" type="datetime1">
               <a:rPr lang="en-US" smtClean="0"/>
               <a:pPr/>
-              <a:t>8/14/2025</a:t>
+              <a:t>8/20/2025</a:t>
             </a:fld>
             <a:endParaRPr lang="en-US"/>
           </a:p>
@@ -3639,7 +3639,7 @@
             <a:fld id="{FD138C57-8E3B-4697-92F8-0ED9B71F7E17}" type="datetime1">
               <a:rPr lang="en-US" smtClean="0"/>
               <a:pPr/>
-              <a:t>8/14/2025</a:t>
+              <a:t>8/20/2025</a:t>
             </a:fld>
             <a:endParaRPr lang="en-US"/>
           </a:p>
@@ -5958,7 +5958,7 @@
             <a:fld id="{FD138C57-8E3B-4697-92F8-0ED9B71F7E17}" type="datetime1">
               <a:rPr lang="en-US" smtClean="0"/>
               <a:pPr/>
-              <a:t>8/14/2025</a:t>
+              <a:t>8/20/2025</a:t>
             </a:fld>
             <a:endParaRPr lang="en-US"/>
           </a:p>
@@ -6599,7 +6599,7 @@
             </a:r>
             <a:fld id="{FD138C57-8E3B-4697-92F8-0ED9B71F7E17}" type="datetime1">
               <a:rPr lang="en-US" smtClean="0"/>
-              <a:t>8/14/2025</a:t>
+              <a:t>8/20/2025</a:t>
             </a:fld>
             <a:endParaRPr lang="en-US"/>
           </a:p>
@@ -7286,7 +7286,7 @@
             <a:fld id="{FD138C57-8E3B-4697-92F8-0ED9B71F7E17}" type="datetime1">
               <a:rPr lang="en-US" smtClean="0"/>
               <a:pPr/>
-              <a:t>8/14/2025</a:t>
+              <a:t>8/20/2025</a:t>
             </a:fld>
             <a:endParaRPr lang="en-US"/>
           </a:p>
@@ -7824,7 +7824,7 @@
             </a:r>
             <a:fld id="{FD138C57-8E3B-4697-92F8-0ED9B71F7E17}" type="datetime1">
               <a:rPr lang="en-US" smtClean="0"/>
-              <a:t>8/14/2025</a:t>
+              <a:t>8/20/2025</a:t>
             </a:fld>
             <a:endParaRPr lang="en-US"/>
           </a:p>
@@ -8092,7 +8092,7 @@
             </a:r>
             <a:fld id="{FD138C57-8E3B-4697-92F8-0ED9B71F7E17}" type="datetime1">
               <a:rPr lang="en-US" smtClean="0"/>
-              <a:t>8/14/2025</a:t>
+              <a:t>8/20/2025</a:t>
             </a:fld>
             <a:endParaRPr lang="en-US"/>
           </a:p>
@@ -9085,7 +9085,7 @@
             </a:r>
             <a:fld id="{FD138C57-8E3B-4697-92F8-0ED9B71F7E17}" type="datetime1">
               <a:rPr lang="en-US" smtClean="0"/>
-              <a:t>8/14/2025</a:t>
+              <a:t>8/20/2025</a:t>
             </a:fld>
             <a:endParaRPr lang="en-US"/>
           </a:p>
@@ -9353,7 +9353,7 @@
             </a:r>
             <a:fld id="{FD138C57-8E3B-4697-92F8-0ED9B71F7E17}" type="datetime1">
               <a:rPr lang="en-US" smtClean="0"/>
-              <a:t>8/14/2025</a:t>
+              <a:t>8/20/2025</a:t>
             </a:fld>
             <a:endParaRPr lang="en-US"/>
           </a:p>
@@ -10074,7 +10074,7 @@
             </a:r>
             <a:fld id="{FD138C57-8E3B-4697-92F8-0ED9B71F7E17}" type="datetime1">
               <a:rPr lang="en-US" smtClean="0"/>
-              <a:t>8/14/2025</a:t>
+              <a:t>8/20/2025</a:t>
             </a:fld>
             <a:endParaRPr lang="en-US"/>
           </a:p>
@@ -10621,7 +10621,7 @@
             </a:r>
             <a:fld id="{FD138C57-8E3B-4697-92F8-0ED9B71F7E17}" type="datetime1">
               <a:rPr lang="en-US" smtClean="0"/>
-              <a:t>8/14/2025</a:t>
+              <a:t>8/20/2025</a:t>
             </a:fld>
             <a:endParaRPr lang="en-US"/>
           </a:p>
@@ -11143,7 +11143,7 @@
             <a:fld id="{FD138C57-8E3B-4697-92F8-0ED9B71F7E17}" type="datetime1">
               <a:rPr lang="en-US" smtClean="0"/>
               <a:pPr/>
-              <a:t>8/14/2025</a:t>
+              <a:t>8/20/2025</a:t>
             </a:fld>
             <a:endParaRPr lang="en-US"/>
           </a:p>
@@ -11830,7 +11830,7 @@
             <a:fld id="{FD138C57-8E3B-4697-92F8-0ED9B71F7E17}" type="datetime1">
               <a:rPr lang="en-US" smtClean="0"/>
               <a:pPr/>
-              <a:t>8/14/2025</a:t>
+              <a:t>8/20/2025</a:t>
             </a:fld>
             <a:endParaRPr lang="en-US"/>
           </a:p>
@@ -12633,7 +12633,7 @@
             </a:r>
             <a:fld id="{FD138C57-8E3B-4697-92F8-0ED9B71F7E17}" type="datetime1">
               <a:rPr lang="en-US" smtClean="0"/>
-              <a:t>8/14/2025</a:t>
+              <a:t>8/20/2025</a:t>
             </a:fld>
             <a:endParaRPr lang="en-US"/>
           </a:p>
@@ -12986,7 +12986,7 @@
             </a:r>
             <a:fld id="{FD138C57-8E3B-4697-92F8-0ED9B71F7E17}" type="datetime1">
               <a:rPr lang="en-US" smtClean="0"/>
-              <a:t>8/14/2025</a:t>
+              <a:t>8/20/2025</a:t>
             </a:fld>
             <a:endParaRPr lang="en-US"/>
           </a:p>
@@ -13629,7 +13629,7 @@
             </a:r>
             <a:fld id="{FD138C57-8E3B-4697-92F8-0ED9B71F7E17}" type="datetime1">
               <a:rPr lang="en-US" smtClean="0"/>
-              <a:t>8/14/2025</a:t>
+              <a:t>8/20/2025</a:t>
             </a:fld>
             <a:endParaRPr lang="en-US"/>
           </a:p>
@@ -13927,7 +13927,7 @@
             </a:r>
             <a:fld id="{FD138C57-8E3B-4697-92F8-0ED9B71F7E17}" type="datetime1">
               <a:rPr lang="en-US" smtClean="0"/>
-              <a:t>8/14/2025</a:t>
+              <a:t>8/20/2025</a:t>
             </a:fld>
             <a:endParaRPr lang="en-US"/>
           </a:p>
@@ -14479,7 +14479,7 @@
             <a:fld id="{FD138C57-8E3B-4697-92F8-0ED9B71F7E17}" type="datetime1">
               <a:rPr lang="en-US" smtClean="0"/>
               <a:pPr/>
-              <a:t>8/14/2025</a:t>
+              <a:t>8/20/2025</a:t>
             </a:fld>
             <a:endParaRPr lang="en-US"/>
           </a:p>
@@ -15187,7 +15187,7 @@
             </a:r>
             <a:fld id="{FD138C57-8E3B-4697-92F8-0ED9B71F7E17}" type="datetime1">
               <a:rPr lang="en-US" smtClean="0"/>
-              <a:t>8/14/2025</a:t>
+              <a:t>8/20/2025</a:t>
             </a:fld>
             <a:endParaRPr lang="en-US"/>
           </a:p>
@@ -15739,7 +15739,7 @@
             <a:fld id="{FD138C57-8E3B-4697-92F8-0ED9B71F7E17}" type="datetime1">
               <a:rPr lang="en-US" smtClean="0"/>
               <a:pPr/>
-              <a:t>8/14/2025</a:t>
+              <a:t>8/20/2025</a:t>
             </a:fld>
             <a:endParaRPr lang="en-US"/>
           </a:p>
@@ -16777,7 +16777,7 @@
             <a:fld id="{FD138C57-8E3B-4697-92F8-0ED9B71F7E17}" type="datetime1">
               <a:rPr lang="en-US" smtClean="0"/>
               <a:pPr/>
-              <a:t>8/14/2025</a:t>
+              <a:t>8/20/2025</a:t>
             </a:fld>
             <a:endParaRPr lang="en-US"/>
           </a:p>
@@ -17720,7 +17720,7 @@
             <a:fld id="{FD138C57-8E3B-4697-92F8-0ED9B71F7E17}" type="datetime1">
               <a:rPr lang="en-US" smtClean="0"/>
               <a:pPr/>
-              <a:t>8/14/2025</a:t>
+              <a:t>8/20/2025</a:t>
             </a:fld>
             <a:endParaRPr lang="en-US"/>
           </a:p>
@@ -18297,7 +18297,7 @@
             <a:fld id="{FD138C57-8E3B-4697-92F8-0ED9B71F7E17}" type="datetime1">
               <a:rPr lang="en-US" smtClean="0"/>
               <a:pPr/>
-              <a:t>8/14/2025</a:t>
+              <a:t>8/20/2025</a:t>
             </a:fld>
             <a:endParaRPr lang="en-US"/>
           </a:p>
@@ -19005,7 +19005,7 @@
             </a:r>
             <a:fld id="{FD138C57-8E3B-4697-92F8-0ED9B71F7E17}" type="datetime1">
               <a:rPr lang="en-US" smtClean="0"/>
-              <a:t>8/14/2025</a:t>
+              <a:t>8/20/2025</a:t>
             </a:fld>
             <a:endParaRPr lang="en-US"/>
           </a:p>
@@ -19557,7 +19557,7 @@
             <a:fld id="{FD138C57-8E3B-4697-92F8-0ED9B71F7E17}" type="datetime1">
               <a:rPr lang="en-US" smtClean="0"/>
               <a:pPr/>
-              <a:t>8/14/2025</a:t>
+              <a:t>8/20/2025</a:t>
             </a:fld>
             <a:endParaRPr lang="en-US"/>
           </a:p>
@@ -20274,7 +20274,7 @@
             <a:fld id="{FD138C57-8E3B-4697-92F8-0ED9B71F7E17}" type="datetime1">
               <a:rPr lang="en-US" smtClean="0"/>
               <a:pPr/>
-              <a:t>8/14/2025</a:t>
+              <a:t>8/20/2025</a:t>
             </a:fld>
             <a:endParaRPr lang="en-US"/>
           </a:p>
@@ -20851,7 +20851,7 @@
             <a:fld id="{FD138C57-8E3B-4697-92F8-0ED9B71F7E17}" type="datetime1">
               <a:rPr lang="en-US" smtClean="0"/>
               <a:pPr/>
-              <a:t>8/14/2025</a:t>
+              <a:t>8/20/2025</a:t>
             </a:fld>
             <a:endParaRPr lang="en-US"/>
           </a:p>
@@ -21568,7 +21568,7 @@
             <a:fld id="{FD138C57-8E3B-4697-92F8-0ED9B71F7E17}" type="datetime1">
               <a:rPr lang="en-US" smtClean="0"/>
               <a:pPr/>
-              <a:t>8/14/2025</a:t>
+              <a:t>8/20/2025</a:t>
             </a:fld>
             <a:endParaRPr lang="en-US"/>
           </a:p>
@@ -22285,7 +22285,7 @@
             <a:fld id="{FD138C57-8E3B-4697-92F8-0ED9B71F7E17}" type="datetime1">
               <a:rPr lang="en-US" smtClean="0"/>
               <a:pPr/>
-              <a:t>8/14/2025</a:t>
+              <a:t>8/20/2025</a:t>
             </a:fld>
             <a:endParaRPr lang="en-US"/>
           </a:p>
@@ -22853,7 +22853,7 @@
             </a:r>
             <a:fld id="{FD138C57-8E3B-4697-92F8-0ED9B71F7E17}" type="datetime1">
               <a:rPr lang="en-US" smtClean="0"/>
-              <a:t>8/14/2025</a:t>
+              <a:t>8/20/2025</a:t>
             </a:fld>
             <a:endParaRPr lang="en-US"/>
           </a:p>
@@ -23405,7 +23405,7 @@
             <a:fld id="{FD138C57-8E3B-4697-92F8-0ED9B71F7E17}" type="datetime1">
               <a:rPr lang="en-US" smtClean="0"/>
               <a:pPr/>
-              <a:t>8/14/2025</a:t>
+              <a:t>8/20/2025</a:t>
             </a:fld>
             <a:endParaRPr lang="en-US"/>
           </a:p>
@@ -24027,7 +24027,7 @@
             </a:r>
             <a:fld id="{FD138C57-8E3B-4697-92F8-0ED9B71F7E17}" type="datetime1">
               <a:rPr lang="en-US" smtClean="0"/>
-              <a:t>8/14/2025</a:t>
+              <a:t>8/20/2025</a:t>
             </a:fld>
             <a:endParaRPr lang="en-US"/>
           </a:p>
@@ -24933,7 +24933,7 @@
             <a:fld id="{FD138C57-8E3B-4697-92F8-0ED9B71F7E17}" type="datetime1">
               <a:rPr lang="en-US" smtClean="0"/>
               <a:pPr/>
-              <a:t>8/14/2025</a:t>
+              <a:t>8/20/2025</a:t>
             </a:fld>
             <a:endParaRPr lang="en-US"/>
           </a:p>
@@ -25626,7 +25626,7 @@
             </a:r>
             <a:fld id="{FD138C57-8E3B-4697-92F8-0ED9B71F7E17}" type="datetime1">
               <a:rPr lang="en-US" smtClean="0"/>
-              <a:t>8/14/2025</a:t>
+              <a:t>8/20/2025</a:t>
             </a:fld>
             <a:endParaRPr lang="en-US"/>
           </a:p>
@@ -26211,7 +26211,7 @@
             <a:fld id="{FD138C57-8E3B-4697-92F8-0ED9B71F7E17}" type="datetime1">
               <a:rPr lang="en-US" smtClean="0"/>
               <a:pPr/>
-              <a:t>8/14/2025</a:t>
+              <a:t>8/20/2025</a:t>
             </a:fld>
             <a:endParaRPr lang="en-US"/>
           </a:p>
@@ -26776,7 +26776,7 @@
             </a:r>
             <a:fld id="{FD138C57-8E3B-4697-92F8-0ED9B71F7E17}" type="datetime1">
               <a:rPr lang="en-US" smtClean="0"/>
-              <a:t>8/14/2025</a:t>
+              <a:t>8/20/2025</a:t>
             </a:fld>
             <a:endParaRPr lang="en-US"/>
           </a:p>
@@ -27327,7 +27327,7 @@
             </a:r>
             <a:fld id="{FD138C57-8E3B-4697-92F8-0ED9B71F7E17}" type="datetime1">
               <a:rPr lang="en-US" smtClean="0"/>
-              <a:t>8/14/2025</a:t>
+              <a:t>8/20/2025</a:t>
             </a:fld>
             <a:endParaRPr lang="en-US"/>
           </a:p>
@@ -27878,7 +27878,7 @@
             </a:r>
             <a:fld id="{FD138C57-8E3B-4697-92F8-0ED9B71F7E17}" type="datetime1">
               <a:rPr lang="en-US" smtClean="0"/>
-              <a:t>8/14/2025</a:t>
+              <a:t>8/20/2025</a:t>
             </a:fld>
             <a:endParaRPr lang="en-US"/>
           </a:p>
@@ -28414,7 +28414,7 @@
             </a:r>
             <a:fld id="{FD138C57-8E3B-4697-92F8-0ED9B71F7E17}" type="datetime1">
               <a:rPr lang="en-US" smtClean="0"/>
-              <a:t>8/14/2025</a:t>
+              <a:t>8/20/2025</a:t>
             </a:fld>
             <a:endParaRPr lang="en-US"/>
           </a:p>
@@ -29008,7 +29008,7 @@
             <a:fld id="{FD138C57-8E3B-4697-92F8-0ED9B71F7E17}" type="datetime1">
               <a:rPr lang="en-US" smtClean="0"/>
               <a:pPr/>
-              <a:t>8/14/2025</a:t>
+              <a:t>8/20/2025</a:t>
             </a:fld>
             <a:endParaRPr lang="en-US"/>
           </a:p>
@@ -29707,7 +29707,7 @@
             </a:r>
             <a:fld id="{FD138C57-8E3B-4697-92F8-0ED9B71F7E17}" type="datetime1">
               <a:rPr lang="en-US" smtClean="0"/>
-              <a:t>8/14/2025</a:t>
+              <a:t>8/20/2025</a:t>
             </a:fld>
             <a:endParaRPr lang="en-US"/>
           </a:p>
@@ -30384,7 +30384,7 @@
             </a:r>
             <a:fld id="{FD138C57-8E3B-4697-92F8-0ED9B71F7E17}" type="datetime1">
               <a:rPr lang="en-US" smtClean="0"/>
-              <a:t>8/14/2025</a:t>
+              <a:t>8/20/2025</a:t>
             </a:fld>
             <a:endParaRPr lang="en-US"/>
           </a:p>
@@ -31045,7 +31045,7 @@
             <a:fld id="{FD138C57-8E3B-4697-92F8-0ED9B71F7E17}" type="datetime1">
               <a:rPr lang="en-US" smtClean="0"/>
               <a:pPr/>
-              <a:t>8/14/2025</a:t>
+              <a:t>8/20/2025</a:t>
             </a:fld>
             <a:endParaRPr lang="en-US"/>
           </a:p>
@@ -32122,7 +32122,7 @@
             <a:fld id="{FD138C57-8E3B-4697-92F8-0ED9B71F7E17}" type="datetime1">
               <a:rPr lang="en-US" smtClean="0"/>
               <a:pPr/>
-              <a:t>8/14/2025</a:t>
+              <a:t>8/20/2025</a:t>
             </a:fld>
             <a:endParaRPr lang="en-US"/>
           </a:p>
@@ -33300,7 +33300,7 @@
             <a:fld id="{FD138C57-8E3B-4697-92F8-0ED9B71F7E17}" type="datetime1">
               <a:rPr lang="en-US" smtClean="0"/>
               <a:pPr/>
-              <a:t>8/14/2025</a:t>
+              <a:t>8/20/2025</a:t>
             </a:fld>
             <a:endParaRPr lang="en-US"/>
           </a:p>
@@ -34438,7 +34438,7 @@
             <a:fld id="{FD138C57-8E3B-4697-92F8-0ED9B71F7E17}" type="datetime1">
               <a:rPr lang="en-US" smtClean="0"/>
               <a:pPr/>
-              <a:t>8/14/2025</a:t>
+              <a:t>8/20/2025</a:t>
             </a:fld>
             <a:endParaRPr lang="en-US"/>
           </a:p>
@@ -35836,7 +35836,7 @@
             <a:fld id="{FD138C57-8E3B-4697-92F8-0ED9B71F7E17}" type="datetime1">
               <a:rPr lang="en-US" smtClean="0"/>
               <a:pPr/>
-              <a:t>8/14/2025</a:t>
+              <a:t>8/20/2025</a:t>
             </a:fld>
             <a:endParaRPr lang="en-US"/>
           </a:p>
@@ -37004,7 +37004,7 @@
             <a:fld id="{FD138C57-8E3B-4697-92F8-0ED9B71F7E17}" type="datetime1">
               <a:rPr lang="en-US" smtClean="0"/>
               <a:pPr/>
-              <a:t>8/14/2025</a:t>
+              <a:t>8/20/2025</a:t>
             </a:fld>
             <a:endParaRPr lang="en-US"/>
           </a:p>
@@ -38308,7 +38308,7 @@
             </a:r>
             <a:fld id="{FD138C57-8E3B-4697-92F8-0ED9B71F7E17}" type="datetime1">
               <a:rPr lang="en-US" smtClean="0"/>
-              <a:t>8/14/2025</a:t>
+              <a:t>8/20/2025</a:t>
             </a:fld>
             <a:endParaRPr lang="en-US"/>
           </a:p>
@@ -38562,7 +38562,7 @@
             </a:r>
             <a:fld id="{FD138C57-8E3B-4697-92F8-0ED9B71F7E17}" type="datetime1">
               <a:rPr lang="en-US" smtClean="0"/>
-              <a:t>8/14/2025</a:t>
+              <a:t>8/20/2025</a:t>
             </a:fld>
             <a:endParaRPr lang="en-US"/>
           </a:p>
@@ -38924,7 +38924,7 @@
             <a:fld id="{FD138C57-8E3B-4697-92F8-0ED9B71F7E17}" type="datetime1">
               <a:rPr lang="en-US" smtClean="0"/>
               <a:pPr/>
-              <a:t>8/14/2025</a:t>
+              <a:t>8/20/2025</a:t>
             </a:fld>
             <a:endParaRPr lang="en-US"/>
           </a:p>
@@ -39528,7 +39528,7 @@
             <a:fld id="{FD138C57-8E3B-4697-92F8-0ED9B71F7E17}" type="datetime1">
               <a:rPr lang="en-US" smtClean="0"/>
               <a:pPr/>
-              <a:t>8/14/2025</a:t>
+              <a:t>8/20/2025</a:t>
             </a:fld>
             <a:endParaRPr lang="en-US"/>
           </a:p>
@@ -40225,7 +40225,7 @@
             <a:fld id="{FD138C57-8E3B-4697-92F8-0ED9B71F7E17}" type="datetime1">
               <a:rPr lang="en-US" smtClean="0"/>
               <a:pPr/>
-              <a:t>8/14/2025</a:t>
+              <a:t>8/20/2025</a:t>
             </a:fld>
             <a:endParaRPr lang="en-US"/>
           </a:p>
@@ -40902,7 +40902,7 @@
             </a:r>
             <a:fld id="{FD138C57-8E3B-4697-92F8-0ED9B71F7E17}" type="datetime1">
               <a:rPr lang="en-US" smtClean="0"/>
-              <a:t>8/14/2025</a:t>
+              <a:t>8/20/2025</a:t>
             </a:fld>
             <a:endParaRPr lang="en-US"/>
           </a:p>
@@ -41766,7 +41766,7 @@
             <a:fld id="{FD138C57-8E3B-4697-92F8-0ED9B71F7E17}" type="datetime1">
               <a:rPr lang="en-US" smtClean="0"/>
               <a:pPr/>
-              <a:t>8/14/2025</a:t>
+              <a:t>8/20/2025</a:t>
             </a:fld>
             <a:endParaRPr lang="en-US"/>
           </a:p>
@@ -42459,7 +42459,7 @@
             </a:r>
             <a:fld id="{FD138C57-8E3B-4697-92F8-0ED9B71F7E17}" type="datetime1">
               <a:rPr lang="en-US" smtClean="0"/>
-              <a:t>8/14/2025</a:t>
+              <a:t>8/20/2025</a:t>
             </a:fld>
             <a:endParaRPr lang="en-US"/>
           </a:p>
@@ -43486,7 +43486,7 @@
             </a:r>
             <a:fld id="{FD138C57-8E3B-4697-92F8-0ED9B71F7E17}" type="datetime1">
               <a:rPr lang="en-US" smtClean="0"/>
-              <a:t>8/14/2025</a:t>
+              <a:t>8/20/2025</a:t>
             </a:fld>
             <a:endParaRPr lang="en-US"/>
           </a:p>
@@ -44101,7 +44101,7 @@
             <a:fld id="{FD138C57-8E3B-4697-92F8-0ED9B71F7E17}" type="datetime1">
               <a:rPr lang="en-US" smtClean="0"/>
               <a:pPr/>
-              <a:t>8/14/2025</a:t>
+              <a:t>8/20/2025</a:t>
             </a:fld>
             <a:endParaRPr lang="en-US"/>
           </a:p>
@@ -44983,7 +44983,7 @@
             <a:fld id="{FD138C57-8E3B-4697-92F8-0ED9B71F7E17}" type="datetime1">
               <a:rPr lang="en-US" smtClean="0"/>
               <a:pPr/>
-              <a:t>8/14/2025</a:t>
+              <a:t>8/20/2025</a:t>
             </a:fld>
             <a:endParaRPr lang="en-US"/>
           </a:p>
@@ -45847,7 +45847,7 @@
             <a:fld id="{FD138C57-8E3B-4697-92F8-0ED9B71F7E17}" type="datetime1">
               <a:rPr lang="en-US" smtClean="0"/>
               <a:pPr/>
-              <a:t>8/14/2025</a:t>
+              <a:t>8/20/2025</a:t>
             </a:fld>
             <a:endParaRPr lang="en-US"/>
           </a:p>
@@ -46558,7 +46558,7 @@
             </a:r>
             <a:r>
               <a:rPr lang="en-US" sz="1800" dirty="0"/>
-              <a:t>Over 584,000 users have debt-to-income ratio &gt;100% — extreme financial stress.</a:t>
+              <a:t>Over 668 users have debt-to-income ratio &gt;100% — extreme financial stress.</a:t>
             </a:r>
           </a:p>
           <a:p>
@@ -46693,10 +46693,15 @@
           </p:nvPr>
         </p:nvPicPr>
         <p:blipFill>
-          <a:blip r:embed="rId3"/>
-          <a:stretch>
-            <a:fillRect/>
-          </a:stretch>
+          <a:blip r:embed="rId3">
+            <a:extLst>
+              <a:ext uri="{28A0092B-C50C-407E-A947-70E740481C1C}">
+                <a14:useLocalDpi xmlns:a14="http://schemas.microsoft.com/office/drawing/2010/main" val="0"/>
+              </a:ext>
+            </a:extLst>
+          </a:blip>
+          <a:srcRect/>
+          <a:stretch/>
         </p:blipFill>
         <p:spPr>
           <a:xfrm>
@@ -46728,15 +46733,20 @@
           <p:nvPr/>
         </p:nvPicPr>
         <p:blipFill>
-          <a:blip r:embed="rId4"/>
-          <a:stretch>
-            <a:fillRect/>
-          </a:stretch>
+          <a:blip r:embed="rId4">
+            <a:extLst>
+              <a:ext uri="{28A0092B-C50C-407E-A947-70E740481C1C}">
+                <a14:useLocalDpi xmlns:a14="http://schemas.microsoft.com/office/drawing/2010/main" val="0"/>
+              </a:ext>
+            </a:extLst>
+          </a:blip>
+          <a:srcRect/>
+          <a:stretch/>
         </p:blipFill>
         <p:spPr>
           <a:xfrm>
-            <a:off x="185928" y="2414267"/>
-            <a:ext cx="3869404" cy="2160000"/>
+            <a:off x="197855" y="2414267"/>
+            <a:ext cx="3845549" cy="2160000"/>
           </a:xfrm>
           <a:prstGeom prst="rect">
             <a:avLst/>
@@ -46763,15 +46773,20 @@
           <p:nvPr/>
         </p:nvPicPr>
         <p:blipFill>
-          <a:blip r:embed="rId5"/>
-          <a:stretch>
-            <a:fillRect/>
-          </a:stretch>
+          <a:blip r:embed="rId5">
+            <a:extLst>
+              <a:ext uri="{28A0092B-C50C-407E-A947-70E740481C1C}">
+                <a14:useLocalDpi xmlns:a14="http://schemas.microsoft.com/office/drawing/2010/main" val="0"/>
+              </a:ext>
+            </a:extLst>
+          </a:blip>
+          <a:srcRect/>
+          <a:stretch/>
         </p:blipFill>
         <p:spPr>
           <a:xfrm>
-            <a:off x="8136667" y="2403083"/>
-            <a:ext cx="3876557" cy="2160000"/>
+            <a:off x="8136667" y="2403814"/>
+            <a:ext cx="3876557" cy="2158537"/>
           </a:xfrm>
           <a:prstGeom prst="rect">
             <a:avLst/>
@@ -47242,15 +47257,20 @@
           <p:nvPr/>
         </p:nvPicPr>
         <p:blipFill>
-          <a:blip r:embed="rId3"/>
-          <a:stretch>
-            <a:fillRect/>
-          </a:stretch>
+          <a:blip r:embed="rId3">
+            <a:extLst>
+              <a:ext uri="{28A0092B-C50C-407E-A947-70E740481C1C}">
+                <a14:useLocalDpi xmlns:a14="http://schemas.microsoft.com/office/drawing/2010/main" val="0"/>
+              </a:ext>
+            </a:extLst>
+          </a:blip>
+          <a:srcRect/>
+          <a:stretch/>
         </p:blipFill>
         <p:spPr>
           <a:xfrm>
-            <a:off x="530496" y="2280577"/>
-            <a:ext cx="5565504" cy="3060000"/>
+            <a:off x="561032" y="2280577"/>
+            <a:ext cx="5504431" cy="3060000"/>
           </a:xfrm>
           <a:prstGeom prst="rect">
             <a:avLst/>
@@ -47277,15 +47297,20 @@
           <p:nvPr/>
         </p:nvPicPr>
         <p:blipFill>
-          <a:blip r:embed="rId4"/>
-          <a:stretch>
-            <a:fillRect/>
-          </a:stretch>
+          <a:blip r:embed="rId4">
+            <a:extLst>
+              <a:ext uri="{28A0092B-C50C-407E-A947-70E740481C1C}">
+                <a14:useLocalDpi xmlns:a14="http://schemas.microsoft.com/office/drawing/2010/main" val="0"/>
+              </a:ext>
+            </a:extLst>
+          </a:blip>
+          <a:srcRect/>
+          <a:stretch/>
         </p:blipFill>
         <p:spPr>
           <a:xfrm>
-            <a:off x="6542222" y="2280577"/>
-            <a:ext cx="5208715" cy="3060000"/>
+            <a:off x="6542222" y="2282575"/>
+            <a:ext cx="5208715" cy="3056004"/>
           </a:xfrm>
           <a:prstGeom prst="rect">
             <a:avLst/>
@@ -50719,16 +50744,12 @@
 </file>
 
 <file path=customXml/item1.xml><?xml version="1.0" encoding="utf-8"?>
-<p:properties xmlns:p="http://schemas.microsoft.com/office/2006/metadata/properties" xmlns:xsi="http://www.w3.org/2001/XMLSchema-instance" xmlns:pc="http://schemas.microsoft.com/office/infopath/2007/PartnerControls">
-  <documentManagement>
-    <_ip_UnifiedCompliancePolicyUIAction xmlns="http://schemas.microsoft.com/sharepoint/v3" xsi:nil="true"/>
-    <TaxCatchAll xmlns="38de0ec0-4312-429b-9ba4-a6f7899b86f2" xsi:nil="true"/>
-    <_ip_UnifiedCompliancePolicyProperties xmlns="http://schemas.microsoft.com/sharepoint/v3" xsi:nil="true"/>
-    <lcf76f155ced4ddcb4097134ff3c332f xmlns="21705155-b4ce-4c69-95dc-4fd6cb8c5571">
-      <Terms xmlns="http://schemas.microsoft.com/office/infopath/2007/PartnerControls"/>
-    </lcf76f155ced4ddcb4097134ff3c332f>
-  </documentManagement>
-</p:properties>
+<?mso-contentType ?>
+<FormTemplates xmlns="http://schemas.microsoft.com/sharepoint/v3/contenttype/forms">
+  <Display>DocumentLibraryForm</Display>
+  <Edit>DocumentLibraryForm</Edit>
+  <New>DocumentLibraryForm</New>
+</FormTemplates>
 </file>
 
 <file path=customXml/item2.xml><?xml version="1.0" encoding="utf-8"?>
@@ -50950,22 +50971,22 @@
 </file>
 
 <file path=customXml/item3.xml><?xml version="1.0" encoding="utf-8"?>
-<?mso-contentType ?>
-<FormTemplates xmlns="http://schemas.microsoft.com/sharepoint/v3/contenttype/forms">
-  <Display>DocumentLibraryForm</Display>
-  <Edit>DocumentLibraryForm</Edit>
-  <New>DocumentLibraryForm</New>
-</FormTemplates>
+<p:properties xmlns:p="http://schemas.microsoft.com/office/2006/metadata/properties" xmlns:xsi="http://www.w3.org/2001/XMLSchema-instance" xmlns:pc="http://schemas.microsoft.com/office/infopath/2007/PartnerControls">
+  <documentManagement>
+    <_ip_UnifiedCompliancePolicyUIAction xmlns="http://schemas.microsoft.com/sharepoint/v3" xsi:nil="true"/>
+    <TaxCatchAll xmlns="38de0ec0-4312-429b-9ba4-a6f7899b86f2" xsi:nil="true"/>
+    <_ip_UnifiedCompliancePolicyProperties xmlns="http://schemas.microsoft.com/sharepoint/v3" xsi:nil="true"/>
+    <lcf76f155ced4ddcb4097134ff3c332f xmlns="21705155-b4ce-4c69-95dc-4fd6cb8c5571">
+      <Terms xmlns="http://schemas.microsoft.com/office/infopath/2007/PartnerControls"/>
+    </lcf76f155ced4ddcb4097134ff3c332f>
+  </documentManagement>
+</p:properties>
 </file>
 
 <file path=customXml/itemProps1.xml><?xml version="1.0" encoding="utf-8"?>
-<ds:datastoreItem xmlns:ds="http://schemas.openxmlformats.org/officeDocument/2006/customXml" ds:itemID="{81333B44-FF7C-4DD4-AB3A-1FC68C05FF35}">
+<ds:datastoreItem xmlns:ds="http://schemas.openxmlformats.org/officeDocument/2006/customXml" ds:itemID="{31DED828-D6B6-42DA-8DEE-DE8638CBB0B2}">
   <ds:schemaRefs>
-    <ds:schemaRef ds:uri="http://schemas.microsoft.com/office/2006/metadata/properties"/>
-    <ds:schemaRef ds:uri="http://schemas.microsoft.com/office/infopath/2007/PartnerControls"/>
-    <ds:schemaRef ds:uri="http://schemas.microsoft.com/sharepoint/v3"/>
-    <ds:schemaRef ds:uri="38de0ec0-4312-429b-9ba4-a6f7899b86f2"/>
-    <ds:schemaRef ds:uri="21705155-b4ce-4c69-95dc-4fd6cb8c5571"/>
+    <ds:schemaRef ds:uri="http://schemas.microsoft.com/sharepoint/v3/contenttype/forms"/>
   </ds:schemaRefs>
 </ds:datastoreItem>
 </file>
@@ -50991,9 +51012,13 @@
 </file>
 
 <file path=customXml/itemProps3.xml><?xml version="1.0" encoding="utf-8"?>
-<ds:datastoreItem xmlns:ds="http://schemas.openxmlformats.org/officeDocument/2006/customXml" ds:itemID="{31DED828-D6B6-42DA-8DEE-DE8638CBB0B2}">
+<ds:datastoreItem xmlns:ds="http://schemas.openxmlformats.org/officeDocument/2006/customXml" ds:itemID="{81333B44-FF7C-4DD4-AB3A-1FC68C05FF35}">
   <ds:schemaRefs>
-    <ds:schemaRef ds:uri="http://schemas.microsoft.com/sharepoint/v3/contenttype/forms"/>
+    <ds:schemaRef ds:uri="http://schemas.microsoft.com/office/2006/metadata/properties"/>
+    <ds:schemaRef ds:uri="http://schemas.microsoft.com/office/infopath/2007/PartnerControls"/>
+    <ds:schemaRef ds:uri="http://schemas.microsoft.com/sharepoint/v3"/>
+    <ds:schemaRef ds:uri="38de0ec0-4312-429b-9ba4-a6f7899b86f2"/>
+    <ds:schemaRef ds:uri="21705155-b4ce-4c69-95dc-4fd6cb8c5571"/>
   </ds:schemaRefs>
 </ds:datastoreItem>
 </file>
